--- a/Presentazione_INGSW2.pptx
+++ b/Presentazione_INGSW2.pptx
@@ -18,6 +18,7 @@
     <p:sldId id="266" r:id="rId12"/>
     <p:sldId id="267" r:id="rId13"/>
     <p:sldId id="268" r:id="rId14"/>
+    <p:sldId id="269" r:id="rId15"/>
   </p:sldIdLst>
   <p:sldSz cx="12192000" cy="6858000"/>
   <p:notesSz cx="6858000" cy="9144000"/>
@@ -116,6 +117,11 @@
       </a:defRPr>
     </a:lvl9pPr>
   </p:defaultTextStyle>
+  <p:extLst>
+    <p:ext uri="{EFAFB233-063F-42B5-8137-9DF3F51BA10A}">
+      <p15:sldGuideLst xmlns:p15="http://schemas.microsoft.com/office/powerpoint/2012/main"/>
+    </p:ext>
+  </p:extLst>
 </p:presentation>
 </file>
 
@@ -164,7 +170,6 @@
               <a:rPr lang="it-IT"/>
               <a:t>Fare clic per modificare lo stile del titolo</a:t>
             </a:r>
-            <a:endParaRPr lang="it-IT"/>
           </a:p>
         </p:txBody>
       </p:sp>
@@ -229,7 +234,6 @@
               <a:rPr lang="it-IT"/>
               <a:t>Fare clic per modificare lo stile del sottotitolo dello schema</a:t>
             </a:r>
-            <a:endParaRPr lang="it-IT"/>
           </a:p>
         </p:txBody>
       </p:sp>
@@ -347,7 +351,6 @@
               <a:rPr lang="it-IT"/>
               <a:t>Fare clic per modificare lo stile del titolo</a:t>
             </a:r>
-            <a:endParaRPr lang="it-IT"/>
           </a:p>
         </p:txBody>
       </p:sp>
@@ -399,7 +402,6 @@
               <a:rPr lang="it-IT"/>
               <a:t>Quinto livello</a:t>
             </a:r>
-            <a:endParaRPr lang="it-IT"/>
           </a:p>
         </p:txBody>
       </p:sp>
@@ -522,7 +524,6 @@
               <a:rPr lang="it-IT"/>
               <a:t>Fare clic per modificare lo stile del titolo</a:t>
             </a:r>
-            <a:endParaRPr lang="it-IT"/>
           </a:p>
         </p:txBody>
       </p:sp>
@@ -579,7 +580,6 @@
               <a:rPr lang="it-IT"/>
               <a:t>Quinto livello</a:t>
             </a:r>
-            <a:endParaRPr lang="it-IT"/>
           </a:p>
         </p:txBody>
       </p:sp>
@@ -697,7 +697,6 @@
               <a:rPr lang="it-IT"/>
               <a:t>Fare clic per modificare lo stile del titolo</a:t>
             </a:r>
-            <a:endParaRPr lang="it-IT"/>
           </a:p>
         </p:txBody>
       </p:sp>
@@ -749,7 +748,6 @@
               <a:rPr lang="it-IT"/>
               <a:t>Quinto livello</a:t>
             </a:r>
-            <a:endParaRPr lang="it-IT"/>
           </a:p>
         </p:txBody>
       </p:sp>
@@ -876,7 +874,6 @@
               <a:rPr lang="it-IT"/>
               <a:t>Fare clic per modificare lo stile del titolo</a:t>
             </a:r>
-            <a:endParaRPr lang="it-IT"/>
           </a:p>
         </p:txBody>
       </p:sp>
@@ -1113,7 +1110,6 @@
               <a:rPr lang="it-IT"/>
               <a:t>Fare clic per modificare lo stile del titolo</a:t>
             </a:r>
-            <a:endParaRPr lang="it-IT"/>
           </a:p>
         </p:txBody>
       </p:sp>
@@ -1170,7 +1166,6 @@
               <a:rPr lang="it-IT"/>
               <a:t>Quinto livello</a:t>
             </a:r>
-            <a:endParaRPr lang="it-IT"/>
           </a:p>
         </p:txBody>
       </p:sp>
@@ -1227,7 +1222,6 @@
               <a:rPr lang="it-IT"/>
               <a:t>Quinto livello</a:t>
             </a:r>
-            <a:endParaRPr lang="it-IT"/>
           </a:p>
         </p:txBody>
       </p:sp>
@@ -1350,7 +1344,6 @@
               <a:rPr lang="it-IT"/>
               <a:t>Fare clic per modificare lo stile del titolo</a:t>
             </a:r>
-            <a:endParaRPr lang="it-IT"/>
           </a:p>
         </p:txBody>
       </p:sp>
@@ -1472,7 +1465,6 @@
               <a:rPr lang="it-IT"/>
               <a:t>Quinto livello</a:t>
             </a:r>
-            <a:endParaRPr lang="it-IT"/>
           </a:p>
         </p:txBody>
       </p:sp>
@@ -1594,7 +1586,6 @@
               <a:rPr lang="it-IT"/>
               <a:t>Quinto livello</a:t>
             </a:r>
-            <a:endParaRPr lang="it-IT"/>
           </a:p>
         </p:txBody>
       </p:sp>
@@ -1712,7 +1703,6 @@
               <a:rPr lang="it-IT"/>
               <a:t>Fare clic per modificare lo stile del titolo</a:t>
             </a:r>
-            <a:endParaRPr lang="it-IT"/>
           </a:p>
         </p:txBody>
       </p:sp>
@@ -1934,7 +1924,6 @@
               <a:rPr lang="it-IT"/>
               <a:t>Fare clic per modificare lo stile del titolo</a:t>
             </a:r>
-            <a:endParaRPr lang="it-IT"/>
           </a:p>
         </p:txBody>
       </p:sp>
@@ -2019,7 +2008,6 @@
               <a:rPr lang="it-IT"/>
               <a:t>Quinto livello</a:t>
             </a:r>
-            <a:endParaRPr lang="it-IT"/>
           </a:p>
         </p:txBody>
       </p:sp>
@@ -2211,7 +2199,6 @@
               <a:rPr lang="it-IT"/>
               <a:t>Fare clic per modificare lo stile del titolo</a:t>
             </a:r>
-            <a:endParaRPr lang="it-IT"/>
           </a:p>
         </p:txBody>
       </p:sp>
@@ -2470,7 +2457,6 @@
               <a:rPr lang="it-IT"/>
               <a:t>Fare clic per modificare lo stile del titolo</a:t>
             </a:r>
-            <a:endParaRPr lang="it-IT"/>
           </a:p>
         </p:txBody>
       </p:sp>
@@ -2532,7 +2518,6 @@
               <a:rPr lang="it-IT"/>
               <a:t>Quinto livello</a:t>
             </a:r>
-            <a:endParaRPr lang="it-IT"/>
           </a:p>
         </p:txBody>
       </p:sp>
@@ -3491,6 +3476,89 @@
 </p:sld>
 </file>
 
+<file path=ppt/slides/slide14.xml><?xml version="1.0" encoding="utf-8"?>
+<p:sld xmlns:a="http://schemas.openxmlformats.org/drawingml/2006/main" xmlns:r="http://schemas.openxmlformats.org/officeDocument/2006/relationships" xmlns:p="http://schemas.openxmlformats.org/presentationml/2006/main">
+  <p:cSld>
+    <p:spTree>
+      <p:nvGrpSpPr>
+        <p:cNvPr id="1" name=""/>
+        <p:cNvGrpSpPr/>
+        <p:nvPr/>
+      </p:nvGrpSpPr>
+      <p:grpSpPr>
+        <a:xfrm>
+          <a:off x="0" y="0"/>
+          <a:ext cx="0" cy="0"/>
+          <a:chOff x="0" y="0"/>
+          <a:chExt cx="0" cy="0"/>
+        </a:xfrm>
+      </p:grpSpPr>
+      <p:pic>
+        <p:nvPicPr>
+          <p:cNvPr id="2" name="Immagine 1"/>
+          <p:cNvPicPr>
+            <a:picLocks noChangeAspect="1"/>
+          </p:cNvPicPr>
+          <p:nvPr/>
+        </p:nvPicPr>
+        <p:blipFill>
+          <a:blip r:embed="rId2"/>
+          <a:stretch>
+            <a:fillRect/>
+          </a:stretch>
+        </p:blipFill>
+        <p:spPr>
+          <a:xfrm>
+            <a:off x="14068" y="1631852"/>
+            <a:ext cx="12148288" cy="3545735"/>
+          </a:xfrm>
+          <a:prstGeom prst="rect">
+            <a:avLst/>
+          </a:prstGeom>
+        </p:spPr>
+      </p:pic>
+      <p:sp>
+        <p:nvSpPr>
+          <p:cNvPr id="3" name="CasellaDiTesto 2"/>
+          <p:cNvSpPr txBox="1"/>
+          <p:nvPr/>
+        </p:nvSpPr>
+        <p:spPr>
+          <a:xfrm>
+            <a:off x="2930014" y="182880"/>
+            <a:ext cx="6316395" cy="830997"/>
+          </a:xfrm>
+          <a:prstGeom prst="rect">
+            <a:avLst/>
+          </a:prstGeom>
+          <a:noFill/>
+        </p:spPr>
+        <p:txBody>
+          <a:bodyPr wrap="square" rtlCol="0">
+            <a:spAutoFit/>
+          </a:bodyPr>
+          <a:lstStyle/>
+          <a:p>
+            <a:r>
+              <a:rPr lang="it-IT" sz="4800" b="1" dirty="0"/>
+              <a:t>RESOURCE ALLOCATION</a:t>
+            </a:r>
+          </a:p>
+        </p:txBody>
+      </p:sp>
+    </p:spTree>
+    <p:extLst>
+      <p:ext uri="{BB962C8B-B14F-4D97-AF65-F5344CB8AC3E}">
+        <p14:creationId xmlns:p14="http://schemas.microsoft.com/office/powerpoint/2010/main" val="3082250657"/>
+      </p:ext>
+    </p:extLst>
+  </p:cSld>
+  <p:clrMapOvr>
+    <a:masterClrMapping/>
+  </p:clrMapOvr>
+</p:sld>
+</file>
+
 <file path=ppt/slides/slide2.xml><?xml version="1.0" encoding="utf-8"?>
 <p:sld xmlns:a="http://schemas.openxmlformats.org/drawingml/2006/main" xmlns:r="http://schemas.openxmlformats.org/officeDocument/2006/relationships" xmlns:p="http://schemas.openxmlformats.org/presentationml/2006/main">
   <p:cSld>
